--- a/FsMinifilter/minifilter workshop.pptx
+++ b/FsMinifilter/minifilter workshop.pptx
@@ -216,7 +216,7 @@
           <a:effectLst/>
           <a:extLst>
             <a:ext uri="{91240B29-F687-4f45-9708-019B960494DF}">
-              <a14:hiddenLine xmlns:a14="http://schemas.microsoft.com/office/drawing/2010/main" xmlns="" w="9525">
+              <a14:hiddenLine xmlns="" xmlns:a14="http://schemas.microsoft.com/office/drawing/2010/main" w="9525">
                 <a:solidFill>
                   <a:srgbClr val="000000"/>
                 </a:solidFill>
@@ -1746,7 +1746,7 @@
           <a:ln/>
           <a:extLst>
             <a:ext uri="{91240B29-F687-4f45-9708-019B960494DF}">
-              <a14:hiddenLine xmlns:a14="http://schemas.microsoft.com/office/drawing/2010/main" xmlns="" w="9525">
+              <a14:hiddenLine xmlns="" xmlns:a14="http://schemas.microsoft.com/office/drawing/2010/main" w="9525">
                 <a:solidFill>
                   <a:srgbClr val="000000"/>
                 </a:solidFill>
@@ -2023,7 +2023,7 @@
           <a:ln/>
           <a:extLst>
             <a:ext uri="{91240B29-F687-4f45-9708-019B960494DF}">
-              <a14:hiddenLine xmlns:a14="http://schemas.microsoft.com/office/drawing/2010/main" xmlns="" w="9525">
+              <a14:hiddenLine xmlns="" xmlns:a14="http://schemas.microsoft.com/office/drawing/2010/main" w="9525">
                 <a:solidFill>
                   <a:srgbClr val="000000"/>
                 </a:solidFill>
@@ -2308,7 +2308,7 @@
           <a:ln/>
           <a:extLst>
             <a:ext uri="{91240B29-F687-4f45-9708-019B960494DF}">
-              <a14:hiddenLine xmlns:a14="http://schemas.microsoft.com/office/drawing/2010/main" xmlns="" w="9525">
+              <a14:hiddenLine xmlns="" xmlns:a14="http://schemas.microsoft.com/office/drawing/2010/main" w="9525">
                 <a:solidFill>
                   <a:srgbClr val="000000"/>
                 </a:solidFill>
@@ -2938,7 +2938,7 @@
           <a:ln/>
           <a:extLst>
             <a:ext uri="{91240B29-F687-4f45-9708-019B960494DF}">
-              <a14:hiddenLine xmlns:a14="http://schemas.microsoft.com/office/drawing/2010/main" xmlns="" w="9525">
+              <a14:hiddenLine xmlns="" xmlns:a14="http://schemas.microsoft.com/office/drawing/2010/main" w="9525">
                 <a:solidFill>
                   <a:srgbClr val="000000"/>
                 </a:solidFill>
@@ -3279,7 +3279,7 @@
           <a:ln/>
           <a:extLst>
             <a:ext uri="{91240B29-F687-4f45-9708-019B960494DF}">
-              <a14:hiddenLine xmlns:a14="http://schemas.microsoft.com/office/drawing/2010/main" xmlns="" w="9525">
+              <a14:hiddenLine xmlns="" xmlns:a14="http://schemas.microsoft.com/office/drawing/2010/main" w="9525">
                 <a:solidFill>
                   <a:srgbClr val="000000"/>
                 </a:solidFill>
@@ -3758,7 +3758,7 @@
           <a:ln/>
           <a:extLst>
             <a:ext uri="{91240B29-F687-4f45-9708-019B960494DF}">
-              <a14:hiddenLine xmlns:a14="http://schemas.microsoft.com/office/drawing/2010/main" xmlns="" w="9525">
+              <a14:hiddenLine xmlns="" xmlns:a14="http://schemas.microsoft.com/office/drawing/2010/main" w="9525">
                 <a:solidFill>
                   <a:srgbClr val="000000"/>
                 </a:solidFill>
@@ -4191,7 +4191,7 @@
           <a:ln/>
           <a:extLst>
             <a:ext uri="{91240B29-F687-4f45-9708-019B960494DF}">
-              <a14:hiddenLine xmlns:a14="http://schemas.microsoft.com/office/drawing/2010/main" xmlns="" w="9525">
+              <a14:hiddenLine xmlns="" xmlns:a14="http://schemas.microsoft.com/office/drawing/2010/main" w="9525">
                 <a:solidFill>
                   <a:srgbClr val="000000"/>
                 </a:solidFill>
@@ -5565,11 +5565,7 @@
             </a:r>
             <a:r>
               <a:rPr lang="he-IL" dirty="0" smtClean="0"/>
-              <a:t> </a:t>
-            </a:r>
-            <a:r>
-              <a:rPr lang="he-IL" dirty="0" smtClean="0"/>
-              <a:t>הראשון שלנו!</a:t>
+              <a:t> הראשון שלנו!</a:t>
             </a:r>
           </a:p>
           <a:p>
@@ -5704,11 +5700,7 @@
             </a:r>
             <a:r>
               <a:rPr lang="en-US" dirty="0" smtClean="0"/>
-              <a:t>st</a:t>
-            </a:r>
-            <a:r>
-              <a:rPr lang="en-US" dirty="0" smtClean="0"/>
-              <a:t>ack</a:t>
+              <a:t>stack</a:t>
             </a:r>
             <a:r>
               <a:rPr lang="he-IL" dirty="0" smtClean="0"/>
@@ -5729,7 +5721,6 @@
               <a:rPr lang="he-IL" dirty="0" smtClean="0"/>
               <a:t>)</a:t>
             </a:r>
-            <a:endParaRPr lang="he-IL" dirty="0" smtClean="0"/>
           </a:p>
         </p:txBody>
       </p:sp>
@@ -5940,16 +5931,17 @@
               <a:rPr lang="he-IL" dirty="0" smtClean="0"/>
               <a:t>מותר לנו לעשות הכל </a:t>
             </a:r>
+            <a:r>
+              <a:rPr lang="he-IL" dirty="0" smtClean="0"/>
+              <a:t>אבל</a:t>
+            </a:r>
+            <a:endParaRPr lang="he-IL" dirty="0" smtClean="0"/>
           </a:p>
           <a:p>
             <a:pPr lvl="1" algn="r" rtl="1"/>
             <a:r>
               <a:rPr lang="he-IL" dirty="0" smtClean="0"/>
-              <a:t>מערכת </a:t>
-            </a:r>
-            <a:r>
-              <a:rPr lang="he-IL" dirty="0" smtClean="0"/>
-              <a:t>ההפעלה לא מגנה עלינו מלעשות טעויות ולהרוס לעצמנו את המחשב</a:t>
+              <a:t>מערכת ההפעלה לא מגנה עלינו מלעשות טעויות ולהרוס לעצמנו את המחשב</a:t>
             </a:r>
           </a:p>
           <a:p>
@@ -6021,11 +6013,7 @@
             <a:pPr algn="r" rtl="1"/>
             <a:r>
               <a:rPr lang="he-IL" dirty="0" smtClean="0"/>
-              <a:t>עבודה עם </a:t>
-            </a:r>
-            <a:r>
-              <a:rPr lang="he-IL" dirty="0" smtClean="0"/>
-              <a:t>קבצים בדרייבר</a:t>
+              <a:t>עבודה עם קבצים בדרייבר</a:t>
             </a:r>
             <a:endParaRPr lang="en-US" dirty="0"/>
           </a:p>
@@ -6209,7 +6197,6 @@
               <a:rPr lang="he-IL" dirty="0" smtClean="0"/>
               <a:t>המשך בקשה לדרייבר שקשור לחומרה</a:t>
             </a:r>
-            <a:endParaRPr lang="he-IL" dirty="0" smtClean="0"/>
           </a:p>
         </p:txBody>
       </p:sp>
@@ -6269,11 +6256,7 @@
             </a:r>
             <a:r>
               <a:rPr lang="he-IL" dirty="0" smtClean="0"/>
-              <a:t> </a:t>
-            </a:r>
-            <a:r>
-              <a:rPr lang="he-IL" dirty="0" smtClean="0"/>
-              <a:t>עובד?</a:t>
+              <a:t> עובד?</a:t>
             </a:r>
             <a:endParaRPr lang="en-US" dirty="0"/>
           </a:p>
@@ -6345,7 +6328,6 @@
               <a:rPr lang="he-IL" dirty="0" smtClean="0"/>
               <a:t>מתחילים לפלטר</a:t>
             </a:r>
-            <a:endParaRPr lang="he-IL" dirty="0" smtClean="0"/>
           </a:p>
         </p:txBody>
       </p:sp>
@@ -6405,11 +6387,7 @@
             </a:r>
             <a:r>
               <a:rPr lang="he-IL" dirty="0" smtClean="0"/>
-              <a:t> </a:t>
-            </a:r>
-            <a:r>
-              <a:rPr lang="he-IL" dirty="0" smtClean="0"/>
-              <a:t>עובד?</a:t>
+              <a:t> עובד?</a:t>
             </a:r>
             <a:endParaRPr lang="en-US" dirty="0"/>
           </a:p>
@@ -6443,8 +6421,17 @@
             </a:r>
             <a:r>
               <a:rPr lang="he-IL" dirty="0" smtClean="0"/>
-              <a:t> יכול לפעול על כל פעולת קבצים שניתן לבצע.</a:t>
-            </a:r>
+              <a:t> יכול לפעול על כל פעולת קבצים </a:t>
+            </a:r>
+            <a:r>
+              <a:rPr lang="he-IL" smtClean="0"/>
+              <a:t>שניתן </a:t>
+            </a:r>
+            <a:r>
+              <a:rPr lang="he-IL" smtClean="0"/>
+              <a:t>לדמיין.</a:t>
+            </a:r>
+            <a:endParaRPr lang="he-IL" dirty="0" smtClean="0"/>
           </a:p>
           <a:p>
             <a:pPr marL="0" indent="0" algn="r" rtl="1">
@@ -6479,7 +6466,6 @@
               <a:rPr lang="he-IL" dirty="0" smtClean="0"/>
               <a:t> יכול לשנות את המידע/ לחסום את הפעולה/ להעביר אותה הלאה וכו'.</a:t>
             </a:r>
-            <a:endParaRPr lang="he-IL" dirty="0" smtClean="0"/>
           </a:p>
         </p:txBody>
       </p:sp>

--- a/FsMinifilter/minifilter workshop.pptx
+++ b/FsMinifilter/minifilter workshop.pptx
@@ -216,7 +216,7 @@
           <a:effectLst/>
           <a:extLst>
             <a:ext uri="{91240B29-F687-4f45-9708-019B960494DF}">
-              <a14:hiddenLine xmlns="" xmlns:a14="http://schemas.microsoft.com/office/drawing/2010/main" w="9525">
+              <a14:hiddenLine xmlns:a14="http://schemas.microsoft.com/office/drawing/2010/main" xmlns="" w="9525">
                 <a:solidFill>
                   <a:srgbClr val="000000"/>
                 </a:solidFill>
@@ -409,7 +409,7 @@
             <a:fld id="{B61BEF0D-F0BB-DE4B-95CE-6DB70DBA9567}" type="datetimeFigureOut">
               <a:rPr lang="en-US" smtClean="0"/>
               <a:pPr/>
-              <a:t>8/1/2018</a:t>
+              <a:t>02-Aug-18</a:t>
             </a:fld>
             <a:endParaRPr lang="en-US" dirty="0"/>
           </a:p>
@@ -729,7 +729,7 @@
             <a:fld id="{B61BEF0D-F0BB-DE4B-95CE-6DB70DBA9567}" type="datetimeFigureOut">
               <a:rPr lang="en-US" smtClean="0"/>
               <a:pPr/>
-              <a:t>8/1/2018</a:t>
+              <a:t>02-Aug-18</a:t>
             </a:fld>
             <a:endParaRPr lang="en-US" dirty="0"/>
           </a:p>
@@ -1219,7 +1219,7 @@
             <a:fld id="{B61BEF0D-F0BB-DE4B-95CE-6DB70DBA9567}" type="datetimeFigureOut">
               <a:rPr lang="en-US" smtClean="0"/>
               <a:pPr/>
-              <a:t>8/1/2018</a:t>
+              <a:t>02-Aug-18</a:t>
             </a:fld>
             <a:endParaRPr lang="en-US" dirty="0"/>
           </a:p>
@@ -1590,7 +1590,7 @@
             <a:fld id="{B61BEF0D-F0BB-DE4B-95CE-6DB70DBA9567}" type="datetimeFigureOut">
               <a:rPr lang="en-US" smtClean="0"/>
               <a:pPr/>
-              <a:t>8/1/2018</a:t>
+              <a:t>02-Aug-18</a:t>
             </a:fld>
             <a:endParaRPr lang="en-US" dirty="0"/>
           </a:p>
@@ -1746,7 +1746,7 @@
           <a:ln/>
           <a:extLst>
             <a:ext uri="{91240B29-F687-4f45-9708-019B960494DF}">
-              <a14:hiddenLine xmlns="" xmlns:a14="http://schemas.microsoft.com/office/drawing/2010/main" w="9525">
+              <a14:hiddenLine xmlns:a14="http://schemas.microsoft.com/office/drawing/2010/main" xmlns="" w="9525">
                 <a:solidFill>
                   <a:srgbClr val="000000"/>
                 </a:solidFill>
@@ -1865,7 +1865,7 @@
             <a:fld id="{B61BEF0D-F0BB-DE4B-95CE-6DB70DBA9567}" type="datetimeFigureOut">
               <a:rPr lang="en-US" smtClean="0"/>
               <a:pPr/>
-              <a:t>8/1/2018</a:t>
+              <a:t>02-Aug-18</a:t>
             </a:fld>
             <a:endParaRPr lang="en-US" dirty="0"/>
           </a:p>
@@ -2023,7 +2023,7 @@
           <a:ln/>
           <a:extLst>
             <a:ext uri="{91240B29-F687-4f45-9708-019B960494DF}">
-              <a14:hiddenLine xmlns="" xmlns:a14="http://schemas.microsoft.com/office/drawing/2010/main" w="9525">
+              <a14:hiddenLine xmlns:a14="http://schemas.microsoft.com/office/drawing/2010/main" xmlns="" w="9525">
                 <a:solidFill>
                   <a:srgbClr val="000000"/>
                 </a:solidFill>
@@ -2152,7 +2152,7 @@
             <a:fld id="{B61BEF0D-F0BB-DE4B-95CE-6DB70DBA9567}" type="datetimeFigureOut">
               <a:rPr lang="en-US" smtClean="0"/>
               <a:pPr/>
-              <a:t>8/1/2018</a:t>
+              <a:t>02-Aug-18</a:t>
             </a:fld>
             <a:endParaRPr lang="en-US" dirty="0"/>
           </a:p>
@@ -2308,7 +2308,7 @@
           <a:ln/>
           <a:extLst>
             <a:ext uri="{91240B29-F687-4f45-9708-019B960494DF}">
-              <a14:hiddenLine xmlns="" xmlns:a14="http://schemas.microsoft.com/office/drawing/2010/main" w="9525">
+              <a14:hiddenLine xmlns:a14="http://schemas.microsoft.com/office/drawing/2010/main" xmlns="" w="9525">
                 <a:solidFill>
                   <a:srgbClr val="000000"/>
                 </a:solidFill>
@@ -2437,7 +2437,7 @@
             <a:fld id="{B61BEF0D-F0BB-DE4B-95CE-6DB70DBA9567}" type="datetimeFigureOut">
               <a:rPr lang="en-US" smtClean="0"/>
               <a:pPr/>
-              <a:t>8/1/2018</a:t>
+              <a:t>02-Aug-18</a:t>
             </a:fld>
             <a:endParaRPr lang="en-US" dirty="0"/>
           </a:p>
@@ -2782,7 +2782,7 @@
             <a:fld id="{B61BEF0D-F0BB-DE4B-95CE-6DB70DBA9567}" type="datetimeFigureOut">
               <a:rPr lang="en-US" smtClean="0"/>
               <a:pPr/>
-              <a:t>8/1/2018</a:t>
+              <a:t>02-Aug-18</a:t>
             </a:fld>
             <a:endParaRPr lang="en-US" dirty="0"/>
           </a:p>
@@ -2938,7 +2938,7 @@
           <a:ln/>
           <a:extLst>
             <a:ext uri="{91240B29-F687-4f45-9708-019B960494DF}">
-              <a14:hiddenLine xmlns="" xmlns:a14="http://schemas.microsoft.com/office/drawing/2010/main" w="9525">
+              <a14:hiddenLine xmlns:a14="http://schemas.microsoft.com/office/drawing/2010/main" xmlns="" w="9525">
                 <a:solidFill>
                   <a:srgbClr val="000000"/>
                 </a:solidFill>
@@ -3123,7 +3123,7 @@
             <a:fld id="{B61BEF0D-F0BB-DE4B-95CE-6DB70DBA9567}" type="datetimeFigureOut">
               <a:rPr lang="en-US" smtClean="0"/>
               <a:pPr/>
-              <a:t>8/1/2018</a:t>
+              <a:t>02-Aug-18</a:t>
             </a:fld>
             <a:endParaRPr lang="en-US" dirty="0"/>
           </a:p>
@@ -3279,7 +3279,7 @@
           <a:ln/>
           <a:extLst>
             <a:ext uri="{91240B29-F687-4f45-9708-019B960494DF}">
-              <a14:hiddenLine xmlns="" xmlns:a14="http://schemas.microsoft.com/office/drawing/2010/main" w="9525">
+              <a14:hiddenLine xmlns:a14="http://schemas.microsoft.com/office/drawing/2010/main" xmlns="" w="9525">
                 <a:solidFill>
                   <a:srgbClr val="000000"/>
                 </a:solidFill>
@@ -3602,7 +3602,7 @@
             <a:fld id="{B61BEF0D-F0BB-DE4B-95CE-6DB70DBA9567}" type="datetimeFigureOut">
               <a:rPr lang="en-US" smtClean="0"/>
               <a:pPr/>
-              <a:t>8/1/2018</a:t>
+              <a:t>02-Aug-18</a:t>
             </a:fld>
             <a:endParaRPr lang="en-US" dirty="0"/>
           </a:p>
@@ -3758,7 +3758,7 @@
           <a:ln/>
           <a:extLst>
             <a:ext uri="{91240B29-F687-4f45-9708-019B960494DF}">
-              <a14:hiddenLine xmlns="" xmlns:a14="http://schemas.microsoft.com/office/drawing/2010/main" w="9525">
+              <a14:hiddenLine xmlns:a14="http://schemas.microsoft.com/office/drawing/2010/main" xmlns="" w="9525">
                 <a:solidFill>
                   <a:srgbClr val="000000"/>
                 </a:solidFill>
@@ -3825,7 +3825,7 @@
             <a:fld id="{B61BEF0D-F0BB-DE4B-95CE-6DB70DBA9567}" type="datetimeFigureOut">
               <a:rPr lang="en-US" smtClean="0"/>
               <a:pPr/>
-              <a:t>8/1/2018</a:t>
+              <a:t>02-Aug-18</a:t>
             </a:fld>
             <a:endParaRPr lang="en-US" dirty="0"/>
           </a:p>
@@ -3922,7 +3922,7 @@
             <a:fld id="{B61BEF0D-F0BB-DE4B-95CE-6DB70DBA9567}" type="datetimeFigureOut">
               <a:rPr lang="en-US" smtClean="0"/>
               <a:pPr/>
-              <a:t>8/1/2018</a:t>
+              <a:t>02-Aug-18</a:t>
             </a:fld>
             <a:endParaRPr lang="en-US" dirty="0"/>
           </a:p>
@@ -4191,7 +4191,7 @@
           <a:ln/>
           <a:extLst>
             <a:ext uri="{91240B29-F687-4f45-9708-019B960494DF}">
-              <a14:hiddenLine xmlns="" xmlns:a14="http://schemas.microsoft.com/office/drawing/2010/main" w="9525">
+              <a14:hiddenLine xmlns:a14="http://schemas.microsoft.com/office/drawing/2010/main" xmlns="" w="9525">
                 <a:solidFill>
                   <a:srgbClr val="000000"/>
                 </a:solidFill>
@@ -4391,7 +4391,7 @@
             <a:fld id="{B61BEF0D-F0BB-DE4B-95CE-6DB70DBA9567}" type="datetimeFigureOut">
               <a:rPr lang="en-US" smtClean="0"/>
               <a:pPr/>
-              <a:t>8/1/2018</a:t>
+              <a:t>02-Aug-18</a:t>
             </a:fld>
             <a:endParaRPr lang="en-US" dirty="0"/>
           </a:p>
@@ -4706,7 +4706,7 @@
             <a:fld id="{B61BEF0D-F0BB-DE4B-95CE-6DB70DBA9567}" type="datetimeFigureOut">
               <a:rPr lang="en-US" smtClean="0"/>
               <a:pPr/>
-              <a:t>8/1/2018</a:t>
+              <a:t>02-Aug-18</a:t>
             </a:fld>
             <a:endParaRPr lang="en-US" dirty="0"/>
           </a:p>
@@ -4978,7 +4978,7 @@
             <a:fld id="{B61BEF0D-F0BB-DE4B-95CE-6DB70DBA9567}" type="datetimeFigureOut">
               <a:rPr lang="en-US" smtClean="0"/>
               <a:pPr/>
-              <a:t>8/1/2018</a:t>
+              <a:t>02-Aug-18</a:t>
             </a:fld>
             <a:endParaRPr lang="en-US" dirty="0"/>
           </a:p>
@@ -5696,7 +5696,27 @@
             <a:pPr lvl="1" algn="r" rtl="1"/>
             <a:r>
               <a:rPr lang="he-IL" dirty="0" smtClean="0"/>
-              <a:t>לפעמים אין קשר ישיר, אל הדרייבר הוא חלק מ</a:t>
+              <a:t>לפעמים אין קשר ישיר, </a:t>
+            </a:r>
+            <a:r>
+              <a:rPr lang="he-IL" dirty="0" smtClean="0"/>
+              <a:t>א</a:t>
+            </a:r>
+            <a:r>
+              <a:rPr lang="he-IL" dirty="0"/>
+              <a:t>ב</a:t>
+            </a:r>
+            <a:r>
+              <a:rPr lang="he-IL" dirty="0" smtClean="0"/>
+              <a:t>ל </a:t>
+            </a:r>
+            <a:r>
+              <a:rPr lang="he-IL" dirty="0" smtClean="0"/>
+              <a:t>הדרייבר הוא חלק </a:t>
+            </a:r>
+            <a:r>
+              <a:rPr lang="he-IL" dirty="0" smtClean="0"/>
+              <a:t>מה - </a:t>
             </a:r>
             <a:r>
               <a:rPr lang="en-US" dirty="0" smtClean="0"/>
@@ -5704,7 +5724,11 @@
             </a:r>
             <a:r>
               <a:rPr lang="he-IL" dirty="0" smtClean="0"/>
-              <a:t> של בקשה בין תוכנה לחומרה</a:t>
+              <a:t> </a:t>
+            </a:r>
+            <a:r>
+              <a:rPr lang="he-IL" dirty="0" smtClean="0"/>
+              <a:t>של בקשה בין תוכנה לחומרה</a:t>
             </a:r>
           </a:p>
           <a:p>
@@ -5929,13 +5953,8 @@
             <a:pPr algn="r" rtl="1"/>
             <a:r>
               <a:rPr lang="he-IL" dirty="0" smtClean="0"/>
-              <a:t>מותר לנו לעשות הכל </a:t>
-            </a:r>
-            <a:r>
-              <a:rPr lang="he-IL" dirty="0" smtClean="0"/>
-              <a:t>אבל</a:t>
-            </a:r>
-            <a:endParaRPr lang="he-IL" dirty="0" smtClean="0"/>
+              <a:t>מותר לנו לעשות הכל אבל</a:t>
+            </a:r>
           </a:p>
           <a:p>
             <a:pPr lvl="1" algn="r" rtl="1"/>
@@ -6421,17 +6440,8 @@
             </a:r>
             <a:r>
               <a:rPr lang="he-IL" dirty="0" smtClean="0"/>
-              <a:t> יכול לפעול על כל פעולת קבצים </a:t>
-            </a:r>
-            <a:r>
-              <a:rPr lang="he-IL" smtClean="0"/>
-              <a:t>שניתן </a:t>
-            </a:r>
-            <a:r>
-              <a:rPr lang="he-IL" smtClean="0"/>
-              <a:t>לדמיין.</a:t>
-            </a:r>
-            <a:endParaRPr lang="he-IL" dirty="0" smtClean="0"/>
+              <a:t> יכול לפעול על כל פעולת קבצים שניתן לדמיין.</a:t>
+            </a:r>
           </a:p>
           <a:p>
             <a:pPr marL="0" indent="0" algn="r" rtl="1">
@@ -6447,7 +6457,23 @@
             </a:r>
             <a:r>
               <a:rPr lang="he-IL" dirty="0" smtClean="0"/>
-              <a:t> שיקרא כאשר פעולה על קובץ מתבעצת.</a:t>
+              <a:t> שיקרא כאשר פעולה על קובץ </a:t>
+            </a:r>
+            <a:r>
+              <a:rPr lang="he-IL" dirty="0" smtClean="0"/>
+              <a:t>מתבצ</a:t>
+            </a:r>
+            <a:r>
+              <a:rPr lang="he-IL" dirty="0"/>
+              <a:t>ע</a:t>
+            </a:r>
+            <a:r>
+              <a:rPr lang="he-IL" dirty="0" smtClean="0"/>
+              <a:t>ת</a:t>
+            </a:r>
+            <a:r>
+              <a:rPr lang="he-IL" dirty="0" smtClean="0"/>
+              <a:t>.</a:t>
             </a:r>
           </a:p>
           <a:p>
